--- a/기획/Wood Cutter 시스템.pptx
+++ b/기획/Wood Cutter 시스템.pptx
@@ -248,7 +248,7 @@
           <a:p>
             <a:fld id="{1865B6E8-2EA0-4CE9-9015-F455666FCAE7}" type="datetimeFigureOut">
               <a:rPr lang="ko-KR" altLang="en-US" smtClean="0"/>
-              <a:t>2015-11-27</a:t>
+              <a:t>2015-11-28</a:t>
             </a:fld>
             <a:endParaRPr lang="ko-KR" altLang="en-US"/>
           </a:p>
@@ -418,7 +418,7 @@
           <a:p>
             <a:fld id="{1865B6E8-2EA0-4CE9-9015-F455666FCAE7}" type="datetimeFigureOut">
               <a:rPr lang="ko-KR" altLang="en-US" smtClean="0"/>
-              <a:t>2015-11-27</a:t>
+              <a:t>2015-11-28</a:t>
             </a:fld>
             <a:endParaRPr lang="ko-KR" altLang="en-US"/>
           </a:p>
@@ -598,7 +598,7 @@
           <a:p>
             <a:fld id="{1865B6E8-2EA0-4CE9-9015-F455666FCAE7}" type="datetimeFigureOut">
               <a:rPr lang="ko-KR" altLang="en-US" smtClean="0"/>
-              <a:t>2015-11-27</a:t>
+              <a:t>2015-11-28</a:t>
             </a:fld>
             <a:endParaRPr lang="ko-KR" altLang="en-US"/>
           </a:p>
@@ -768,7 +768,7 @@
           <a:p>
             <a:fld id="{1865B6E8-2EA0-4CE9-9015-F455666FCAE7}" type="datetimeFigureOut">
               <a:rPr lang="ko-KR" altLang="en-US" smtClean="0"/>
-              <a:t>2015-11-27</a:t>
+              <a:t>2015-11-28</a:t>
             </a:fld>
             <a:endParaRPr lang="ko-KR" altLang="en-US"/>
           </a:p>
@@ -1014,7 +1014,7 @@
           <a:p>
             <a:fld id="{1865B6E8-2EA0-4CE9-9015-F455666FCAE7}" type="datetimeFigureOut">
               <a:rPr lang="ko-KR" altLang="en-US" smtClean="0"/>
-              <a:t>2015-11-27</a:t>
+              <a:t>2015-11-28</a:t>
             </a:fld>
             <a:endParaRPr lang="ko-KR" altLang="en-US"/>
           </a:p>
@@ -1246,7 +1246,7 @@
           <a:p>
             <a:fld id="{1865B6E8-2EA0-4CE9-9015-F455666FCAE7}" type="datetimeFigureOut">
               <a:rPr lang="ko-KR" altLang="en-US" smtClean="0"/>
-              <a:t>2015-11-27</a:t>
+              <a:t>2015-11-28</a:t>
             </a:fld>
             <a:endParaRPr lang="ko-KR" altLang="en-US"/>
           </a:p>
@@ -1613,7 +1613,7 @@
           <a:p>
             <a:fld id="{1865B6E8-2EA0-4CE9-9015-F455666FCAE7}" type="datetimeFigureOut">
               <a:rPr lang="ko-KR" altLang="en-US" smtClean="0"/>
-              <a:t>2015-11-27</a:t>
+              <a:t>2015-11-28</a:t>
             </a:fld>
             <a:endParaRPr lang="ko-KR" altLang="en-US"/>
           </a:p>
@@ -1731,7 +1731,7 @@
           <a:p>
             <a:fld id="{1865B6E8-2EA0-4CE9-9015-F455666FCAE7}" type="datetimeFigureOut">
               <a:rPr lang="ko-KR" altLang="en-US" smtClean="0"/>
-              <a:t>2015-11-27</a:t>
+              <a:t>2015-11-28</a:t>
             </a:fld>
             <a:endParaRPr lang="ko-KR" altLang="en-US"/>
           </a:p>
@@ -1826,7 +1826,7 @@
           <a:p>
             <a:fld id="{1865B6E8-2EA0-4CE9-9015-F455666FCAE7}" type="datetimeFigureOut">
               <a:rPr lang="ko-KR" altLang="en-US" smtClean="0"/>
-              <a:t>2015-11-27</a:t>
+              <a:t>2015-11-28</a:t>
             </a:fld>
             <a:endParaRPr lang="ko-KR" altLang="en-US"/>
           </a:p>
@@ -2103,7 +2103,7 @@
           <a:p>
             <a:fld id="{1865B6E8-2EA0-4CE9-9015-F455666FCAE7}" type="datetimeFigureOut">
               <a:rPr lang="ko-KR" altLang="en-US" smtClean="0"/>
-              <a:t>2015-11-27</a:t>
+              <a:t>2015-11-28</a:t>
             </a:fld>
             <a:endParaRPr lang="ko-KR" altLang="en-US"/>
           </a:p>
@@ -2356,7 +2356,7 @@
           <a:p>
             <a:fld id="{1865B6E8-2EA0-4CE9-9015-F455666FCAE7}" type="datetimeFigureOut">
               <a:rPr lang="ko-KR" altLang="en-US" smtClean="0"/>
-              <a:t>2015-11-27</a:t>
+              <a:t>2015-11-28</a:t>
             </a:fld>
             <a:endParaRPr lang="ko-KR" altLang="en-US"/>
           </a:p>
@@ -2569,7 +2569,7 @@
           <a:p>
             <a:fld id="{1865B6E8-2EA0-4CE9-9015-F455666FCAE7}" type="datetimeFigureOut">
               <a:rPr lang="ko-KR" altLang="en-US" smtClean="0"/>
-              <a:t>2015-11-27</a:t>
+              <a:t>2015-11-28</a:t>
             </a:fld>
             <a:endParaRPr lang="ko-KR" altLang="en-US"/>
           </a:p>
@@ -3944,11 +3944,7 @@
             </a:r>
             <a:r>
               <a:rPr lang="ko-KR" altLang="en-US" dirty="0" smtClean="0"/>
-              <a:t> </a:t>
-            </a:r>
-            <a:r>
-              <a:rPr lang="ko-KR" altLang="en-US" dirty="0" smtClean="0"/>
-              <a:t>시스템</a:t>
+              <a:t> 시스템</a:t>
             </a:r>
             <a:endParaRPr lang="ko-KR" altLang="en-US" dirty="0"/>
           </a:p>
@@ -4977,23 +4973,11 @@
           <a:p>
             <a:r>
               <a:rPr lang="en-US" altLang="ko-KR" dirty="0" smtClean="0"/>
-              <a:t>3</a:t>
-            </a:r>
-            <a:r>
-              <a:rPr lang="en-US" altLang="ko-KR" dirty="0" smtClean="0"/>
-              <a:t>. </a:t>
-            </a:r>
-            <a:r>
-              <a:rPr lang="ko-KR" altLang="en-US" dirty="0" smtClean="0"/>
-              <a:t>장비</a:t>
-            </a:r>
-            <a:r>
-              <a:rPr lang="ko-KR" altLang="en-US" dirty="0" smtClean="0"/>
-              <a:t> </a:t>
-            </a:r>
-            <a:r>
-              <a:rPr lang="ko-KR" altLang="en-US" dirty="0" smtClean="0"/>
-              <a:t>시스템</a:t>
+              <a:t>3. </a:t>
+            </a:r>
+            <a:r>
+              <a:rPr lang="ko-KR" altLang="en-US" dirty="0" smtClean="0"/>
+              <a:t>장비 시스템</a:t>
             </a:r>
             <a:endParaRPr lang="ko-KR" altLang="en-US" dirty="0"/>
           </a:p>
@@ -5434,7 +5418,7 @@
         <p:spPr>
           <a:xfrm>
             <a:off x="450760" y="6130277"/>
-            <a:ext cx="7136890" cy="369332"/>
+            <a:ext cx="7678705" cy="369332"/>
           </a:xfrm>
           <a:prstGeom prst="rect">
             <a:avLst/>
@@ -5457,7 +5441,19 @@
             </a:r>
             <a:r>
               <a:rPr lang="en-US" altLang="ko-KR" dirty="0" smtClean="0"/>
-              <a:t>: 1000*{(</a:t>
+              <a:t>: </a:t>
+            </a:r>
+            <a:r>
+              <a:rPr lang="en-US" altLang="ko-KR" dirty="0" smtClean="0"/>
+              <a:t>500+</a:t>
+            </a:r>
+            <a:r>
+              <a:rPr lang="en-US" altLang="ko-KR" dirty="0" smtClean="0"/>
+              <a:t>1000</a:t>
+            </a:r>
+            <a:r>
+              <a:rPr lang="en-US" altLang="ko-KR" dirty="0" smtClean="0"/>
+              <a:t>*{(</a:t>
             </a:r>
             <a:r>
               <a:rPr lang="ko-KR" altLang="en-US" dirty="0" smtClean="0"/>
@@ -5517,23 +5513,11 @@
           <a:p>
             <a:r>
               <a:rPr lang="en-US" altLang="ko-KR" dirty="0" smtClean="0"/>
-              <a:t>3</a:t>
-            </a:r>
-            <a:r>
-              <a:rPr lang="en-US" altLang="ko-KR" dirty="0" smtClean="0"/>
-              <a:t>. </a:t>
-            </a:r>
-            <a:r>
-              <a:rPr lang="ko-KR" altLang="en-US" dirty="0" smtClean="0"/>
-              <a:t>장비</a:t>
-            </a:r>
-            <a:r>
-              <a:rPr lang="ko-KR" altLang="en-US" dirty="0" smtClean="0"/>
-              <a:t> </a:t>
-            </a:r>
-            <a:r>
-              <a:rPr lang="ko-KR" altLang="en-US" dirty="0" smtClean="0"/>
-              <a:t>시스템</a:t>
+              <a:t>3. </a:t>
+            </a:r>
+            <a:r>
+              <a:rPr lang="ko-KR" altLang="en-US" dirty="0" smtClean="0"/>
+              <a:t>장비 시스템</a:t>
             </a:r>
             <a:endParaRPr lang="ko-KR" altLang="en-US" dirty="0"/>
           </a:p>
@@ -5548,7 +5532,7 @@
           <p:nvPr>
             <p:extLst>
               <p:ext uri="{D42A27DB-BD31-4B8C-83A1-F6EECF244321}">
-                <p14:modId xmlns:p14="http://schemas.microsoft.com/office/powerpoint/2010/main" val="2885370444"/>
+                <p14:modId xmlns:p14="http://schemas.microsoft.com/office/powerpoint/2010/main" val="206398234"/>
               </p:ext>
             </p:extLst>
           </p:nvPr>
@@ -5659,7 +5643,11 @@
                       <a:pPr algn="ctr" latinLnBrk="1"/>
                       <a:r>
                         <a:rPr lang="ko-KR" altLang="en-US" sz="2400" dirty="0" smtClean="0"/>
-                        <a:t>흙 도끼</a:t>
+                        <a:t>흙 </a:t>
+                      </a:r>
+                      <a:r>
+                        <a:rPr lang="ko-KR" altLang="en-US" sz="2400" dirty="0" smtClean="0"/>
+                        <a:t>도끼</a:t>
                       </a:r>
                       <a:endParaRPr lang="ko-KR" altLang="en-US" sz="2400" dirty="0"/>
                     </a:p>
@@ -5725,7 +5713,15 @@
                       <a:pPr algn="ctr" latinLnBrk="1"/>
                       <a:r>
                         <a:rPr lang="ko-KR" altLang="en-US" sz="2400" dirty="0" smtClean="0"/>
-                        <a:t>돌 도끼</a:t>
+                        <a:t>돌 </a:t>
+                      </a:r>
+                      <a:r>
+                        <a:rPr lang="ko-KR" altLang="en-US" sz="2400" dirty="0" smtClean="0"/>
+                        <a:t>도끼</a:t>
+                      </a:r>
+                      <a:r>
+                        <a:rPr lang="en-US" altLang="ko-KR" sz="2400" dirty="0" smtClean="0"/>
+                        <a:t>(100)</a:t>
                       </a:r>
                       <a:endParaRPr lang="ko-KR" altLang="en-US" sz="2400" dirty="0"/>
                     </a:p>
@@ -5742,6 +5738,10 @@
                         <a:rPr lang="ko-KR" altLang="en-US" sz="2400" dirty="0" smtClean="0"/>
                         <a:t>면장갑</a:t>
                       </a:r>
+                      <a:r>
+                        <a:rPr lang="en-US" altLang="ko-KR" sz="2400" dirty="0" smtClean="0"/>
+                        <a:t>(100)</a:t>
+                      </a:r>
                       <a:endParaRPr lang="ko-KR" altLang="en-US" sz="2400" dirty="0"/>
                     </a:p>
                   </a:txBody>
@@ -5756,6 +5756,10 @@
                       <a:r>
                         <a:rPr lang="ko-KR" altLang="en-US" sz="2400" dirty="0" smtClean="0"/>
                         <a:t>손수레</a:t>
+                      </a:r>
+                      <a:r>
+                        <a:rPr lang="en-US" altLang="ko-KR" sz="2400" dirty="0" smtClean="0"/>
+                        <a:t>(100)</a:t>
                       </a:r>
                       <a:endParaRPr lang="ko-KR" altLang="en-US" sz="2400" dirty="0"/>
                     </a:p>
@@ -5806,8 +5810,17 @@
                       </a:pPr>
                       <a:r>
                         <a:rPr lang="ko-KR" altLang="en-US" sz="2400" dirty="0" smtClean="0"/>
-                        <a:t>양철 도끼</a:t>
-                      </a:r>
+                        <a:t>양철 </a:t>
+                      </a:r>
+                      <a:r>
+                        <a:rPr lang="ko-KR" altLang="en-US" sz="2400" dirty="0" smtClean="0"/>
+                        <a:t>도끼</a:t>
+                      </a:r>
+                      <a:r>
+                        <a:rPr lang="en-US" altLang="ko-KR" sz="2400" dirty="0" smtClean="0"/>
+                        <a:t>(150)</a:t>
+                      </a:r>
+                      <a:endParaRPr lang="ko-KR" altLang="en-US" sz="2400" dirty="0" smtClean="0"/>
                     </a:p>
                   </a:txBody>
                   <a:tcPr marL="121477" marR="121477" marT="60739" marB="60739"/>
@@ -5821,6 +5834,10 @@
                       <a:r>
                         <a:rPr lang="ko-KR" altLang="en-US" sz="2400" dirty="0" smtClean="0"/>
                         <a:t>고무장갑</a:t>
+                      </a:r>
+                      <a:r>
+                        <a:rPr lang="en-US" altLang="ko-KR" sz="2400" dirty="0" smtClean="0"/>
+                        <a:t>(150)</a:t>
                       </a:r>
                       <a:endParaRPr lang="ko-KR" altLang="en-US" sz="2400" dirty="0"/>
                     </a:p>
@@ -5836,6 +5853,10 @@
                       <a:r>
                         <a:rPr lang="ko-KR" altLang="en-US" sz="2400" dirty="0" smtClean="0"/>
                         <a:t>짐마차</a:t>
+                      </a:r>
+                      <a:r>
+                        <a:rPr lang="en-US" altLang="ko-KR" sz="2400" dirty="0" smtClean="0"/>
+                        <a:t>(150)</a:t>
                       </a:r>
                       <a:endParaRPr lang="ko-KR" altLang="en-US" sz="2400" dirty="0"/>
                     </a:p>
@@ -5871,7 +5892,15 @@
                       <a:pPr algn="ctr" latinLnBrk="1"/>
                       <a:r>
                         <a:rPr lang="ko-KR" altLang="en-US" sz="2400" dirty="0" smtClean="0"/>
-                        <a:t>전기 톱</a:t>
+                        <a:t>전기 </a:t>
+                      </a:r>
+                      <a:r>
+                        <a:rPr lang="ko-KR" altLang="en-US" sz="2400" dirty="0" smtClean="0"/>
+                        <a:t>톱</a:t>
+                      </a:r>
+                      <a:r>
+                        <a:rPr lang="en-US" altLang="ko-KR" sz="2400" dirty="0" smtClean="0"/>
+                        <a:t>(200)</a:t>
                       </a:r>
                       <a:endParaRPr lang="ko-KR" altLang="en-US" sz="2400" dirty="0"/>
                     </a:p>
@@ -5888,6 +5917,10 @@
                         <a:rPr lang="ko-KR" altLang="en-US" sz="2400" dirty="0" smtClean="0"/>
                         <a:t>목장갑</a:t>
                       </a:r>
+                      <a:r>
+                        <a:rPr lang="en-US" altLang="ko-KR" sz="2400" dirty="0" smtClean="0"/>
+                        <a:t>(200)</a:t>
+                      </a:r>
                       <a:endParaRPr lang="ko-KR" altLang="en-US" sz="2400" dirty="0"/>
                     </a:p>
                   </a:txBody>
@@ -5902,6 +5935,10 @@
                       <a:r>
                         <a:rPr lang="ko-KR" altLang="en-US" sz="2400" dirty="0" smtClean="0"/>
                         <a:t>트랙터</a:t>
+                      </a:r>
+                      <a:r>
+                        <a:rPr lang="en-US" altLang="ko-KR" sz="2400" dirty="0" smtClean="0"/>
+                        <a:t>(200)</a:t>
                       </a:r>
                       <a:endParaRPr lang="ko-KR" altLang="en-US" sz="2400" dirty="0"/>
                     </a:p>
@@ -5937,7 +5974,15 @@
                       <a:pPr algn="ctr" latinLnBrk="1"/>
                       <a:r>
                         <a:rPr lang="ko-KR" altLang="en-US" sz="2400" dirty="0" smtClean="0"/>
-                        <a:t>장미 칼</a:t>
+                        <a:t>장미 </a:t>
+                      </a:r>
+                      <a:r>
+                        <a:rPr lang="ko-KR" altLang="en-US" sz="2400" dirty="0" smtClean="0"/>
+                        <a:t>칼</a:t>
+                      </a:r>
+                      <a:r>
+                        <a:rPr lang="en-US" altLang="ko-KR" sz="2400" dirty="0" smtClean="0"/>
+                        <a:t>(250)</a:t>
                       </a:r>
                       <a:endParaRPr lang="ko-KR" altLang="en-US" sz="2400" dirty="0"/>
                     </a:p>
@@ -5954,6 +5999,10 @@
                         <a:rPr lang="ko-KR" altLang="en-US" sz="2400" dirty="0" smtClean="0"/>
                         <a:t>가죽장갑</a:t>
                       </a:r>
+                      <a:r>
+                        <a:rPr lang="en-US" altLang="ko-KR" sz="2400" dirty="0" smtClean="0"/>
+                        <a:t>(250)</a:t>
+                      </a:r>
                       <a:endParaRPr lang="ko-KR" altLang="en-US" sz="2400" dirty="0"/>
                     </a:p>
                   </a:txBody>
@@ -5968,6 +6017,10 @@
                       <a:r>
                         <a:rPr lang="ko-KR" altLang="en-US" sz="2400" dirty="0" err="1" smtClean="0"/>
                         <a:t>스피드웨건</a:t>
+                      </a:r>
+                      <a:r>
+                        <a:rPr lang="en-US" altLang="ko-KR" sz="2400" dirty="0" smtClean="0"/>
+                        <a:t>(250)</a:t>
                       </a:r>
                       <a:endParaRPr lang="ko-KR" altLang="en-US" sz="2400" dirty="0"/>
                     </a:p>
@@ -5986,7 +6039,6 @@
                         <a:rPr lang="en-US" altLang="ko-KR" sz="2400" dirty="0" smtClean="0"/>
                         <a:t>Lv.50</a:t>
                       </a:r>
-                      <a:endParaRPr lang="en-US" altLang="ko-KR" sz="2400" dirty="0" smtClean="0"/>
                     </a:p>
                   </a:txBody>
                   <a:tcPr marL="121477" marR="121477" marT="60739" marB="60739"/>
@@ -6000,6 +6052,10 @@
                       <a:r>
                         <a:rPr lang="ko-KR" altLang="en-US" sz="2400" dirty="0" smtClean="0"/>
                         <a:t>투명도끼</a:t>
+                      </a:r>
+                      <a:r>
+                        <a:rPr lang="en-US" altLang="ko-KR" sz="2400" dirty="0" smtClean="0"/>
+                        <a:t>(300)</a:t>
                       </a:r>
                       <a:endParaRPr lang="ko-KR" altLang="en-US" sz="2400" dirty="0"/>
                     </a:p>
@@ -6016,6 +6072,10 @@
                         <a:rPr lang="ko-KR" altLang="en-US" sz="2400" dirty="0" smtClean="0"/>
                         <a:t>투명장갑</a:t>
                       </a:r>
+                      <a:r>
+                        <a:rPr lang="en-US" altLang="ko-KR" sz="2400" dirty="0" smtClean="0"/>
+                        <a:t>(300)</a:t>
+                      </a:r>
                       <a:endParaRPr lang="ko-KR" altLang="en-US" sz="2400" dirty="0"/>
                     </a:p>
                   </a:txBody>
@@ -6030,6 +6090,10 @@
                       <a:r>
                         <a:rPr lang="ko-KR" altLang="en-US" sz="2400" dirty="0" smtClean="0"/>
                         <a:t>투명수레</a:t>
+                      </a:r>
+                      <a:r>
+                        <a:rPr lang="en-US" altLang="ko-KR" sz="2400" dirty="0" smtClean="0"/>
+                        <a:t>(300)</a:t>
                       </a:r>
                       <a:endParaRPr lang="ko-KR" altLang="en-US" sz="2400" dirty="0"/>
                     </a:p>

--- a/기획/Wood Cutter 시스템.pptx
+++ b/기획/Wood Cutter 시스템.pptx
@@ -4868,7 +4868,7 @@
             <a:avLst/>
           </a:prstGeom>
           <a:solidFill>
-            <a:srgbClr val="00B0F0"/>
+            <a:schemeClr val="accent2"/>
           </a:solidFill>
         </p:spPr>
         <p:style>
@@ -4904,7 +4904,7 @@
         </p:nvSpPr>
         <p:spPr>
           <a:xfrm>
-            <a:off x="960218" y="2059139"/>
+            <a:off x="2457181" y="2864182"/>
             <a:ext cx="325730" cy="369332"/>
           </a:xfrm>
           <a:prstGeom prst="rect">
@@ -5441,19 +5441,7 @@
             </a:r>
             <a:r>
               <a:rPr lang="en-US" altLang="ko-KR" dirty="0" smtClean="0"/>
-              <a:t>: </a:t>
-            </a:r>
-            <a:r>
-              <a:rPr lang="en-US" altLang="ko-KR" dirty="0" smtClean="0"/>
-              <a:t>500+</a:t>
-            </a:r>
-            <a:r>
-              <a:rPr lang="en-US" altLang="ko-KR" dirty="0" smtClean="0"/>
-              <a:t>1000</a:t>
-            </a:r>
-            <a:r>
-              <a:rPr lang="en-US" altLang="ko-KR" dirty="0" smtClean="0"/>
-              <a:t>*{(</a:t>
+              <a:t>: 500+1000*{(</a:t>
             </a:r>
             <a:r>
               <a:rPr lang="ko-KR" altLang="en-US" dirty="0" smtClean="0"/>
@@ -5643,11 +5631,7 @@
                       <a:pPr algn="ctr" latinLnBrk="1"/>
                       <a:r>
                         <a:rPr lang="ko-KR" altLang="en-US" sz="2400" dirty="0" smtClean="0"/>
-                        <a:t>흙 </a:t>
-                      </a:r>
-                      <a:r>
-                        <a:rPr lang="ko-KR" altLang="en-US" sz="2400" dirty="0" smtClean="0"/>
-                        <a:t>도끼</a:t>
+                        <a:t>흙 도끼</a:t>
                       </a:r>
                       <a:endParaRPr lang="ko-KR" altLang="en-US" sz="2400" dirty="0"/>
                     </a:p>
@@ -5713,11 +5697,7 @@
                       <a:pPr algn="ctr" latinLnBrk="1"/>
                       <a:r>
                         <a:rPr lang="ko-KR" altLang="en-US" sz="2400" dirty="0" smtClean="0"/>
-                        <a:t>돌 </a:t>
-                      </a:r>
-                      <a:r>
-                        <a:rPr lang="ko-KR" altLang="en-US" sz="2400" dirty="0" smtClean="0"/>
-                        <a:t>도끼</a:t>
+                        <a:t>돌 도끼</a:t>
                       </a:r>
                       <a:r>
                         <a:rPr lang="en-US" altLang="ko-KR" sz="2400" dirty="0" smtClean="0"/>
@@ -5810,11 +5790,7 @@
                       </a:pPr>
                       <a:r>
                         <a:rPr lang="ko-KR" altLang="en-US" sz="2400" dirty="0" smtClean="0"/>
-                        <a:t>양철 </a:t>
-                      </a:r>
-                      <a:r>
-                        <a:rPr lang="ko-KR" altLang="en-US" sz="2400" dirty="0" smtClean="0"/>
-                        <a:t>도끼</a:t>
+                        <a:t>양철 도끼</a:t>
                       </a:r>
                       <a:r>
                         <a:rPr lang="en-US" altLang="ko-KR" sz="2400" dirty="0" smtClean="0"/>
@@ -5892,11 +5868,7 @@
                       <a:pPr algn="ctr" latinLnBrk="1"/>
                       <a:r>
                         <a:rPr lang="ko-KR" altLang="en-US" sz="2400" dirty="0" smtClean="0"/>
-                        <a:t>전기 </a:t>
-                      </a:r>
-                      <a:r>
-                        <a:rPr lang="ko-KR" altLang="en-US" sz="2400" dirty="0" smtClean="0"/>
-                        <a:t>톱</a:t>
+                        <a:t>전기 톱</a:t>
                       </a:r>
                       <a:r>
                         <a:rPr lang="en-US" altLang="ko-KR" sz="2400" dirty="0" smtClean="0"/>
@@ -5974,11 +5946,7 @@
                       <a:pPr algn="ctr" latinLnBrk="1"/>
                       <a:r>
                         <a:rPr lang="ko-KR" altLang="en-US" sz="2400" dirty="0" smtClean="0"/>
-                        <a:t>장미 </a:t>
-                      </a:r>
-                      <a:r>
-                        <a:rPr lang="ko-KR" altLang="en-US" sz="2400" dirty="0" smtClean="0"/>
-                        <a:t>칼</a:t>
+                        <a:t>장미 칼</a:t>
                       </a:r>
                       <a:r>
                         <a:rPr lang="en-US" altLang="ko-KR" sz="2400" dirty="0" smtClean="0"/>

--- a/기획/Wood Cutter 시스템.pptx
+++ b/기획/Wood Cutter 시스템.pptx
@@ -248,7 +248,7 @@
           <a:p>
             <a:fld id="{1865B6E8-2EA0-4CE9-9015-F455666FCAE7}" type="datetimeFigureOut">
               <a:rPr lang="ko-KR" altLang="en-US" smtClean="0"/>
-              <a:t>2015-11-28</a:t>
+              <a:t>2016-01-10</a:t>
             </a:fld>
             <a:endParaRPr lang="ko-KR" altLang="en-US"/>
           </a:p>
@@ -418,7 +418,7 @@
           <a:p>
             <a:fld id="{1865B6E8-2EA0-4CE9-9015-F455666FCAE7}" type="datetimeFigureOut">
               <a:rPr lang="ko-KR" altLang="en-US" smtClean="0"/>
-              <a:t>2015-11-28</a:t>
+              <a:t>2016-01-10</a:t>
             </a:fld>
             <a:endParaRPr lang="ko-KR" altLang="en-US"/>
           </a:p>
@@ -598,7 +598,7 @@
           <a:p>
             <a:fld id="{1865B6E8-2EA0-4CE9-9015-F455666FCAE7}" type="datetimeFigureOut">
               <a:rPr lang="ko-KR" altLang="en-US" smtClean="0"/>
-              <a:t>2015-11-28</a:t>
+              <a:t>2016-01-10</a:t>
             </a:fld>
             <a:endParaRPr lang="ko-KR" altLang="en-US"/>
           </a:p>
@@ -768,7 +768,7 @@
           <a:p>
             <a:fld id="{1865B6E8-2EA0-4CE9-9015-F455666FCAE7}" type="datetimeFigureOut">
               <a:rPr lang="ko-KR" altLang="en-US" smtClean="0"/>
-              <a:t>2015-11-28</a:t>
+              <a:t>2016-01-10</a:t>
             </a:fld>
             <a:endParaRPr lang="ko-KR" altLang="en-US"/>
           </a:p>
@@ -1014,7 +1014,7 @@
           <a:p>
             <a:fld id="{1865B6E8-2EA0-4CE9-9015-F455666FCAE7}" type="datetimeFigureOut">
               <a:rPr lang="ko-KR" altLang="en-US" smtClean="0"/>
-              <a:t>2015-11-28</a:t>
+              <a:t>2016-01-10</a:t>
             </a:fld>
             <a:endParaRPr lang="ko-KR" altLang="en-US"/>
           </a:p>
@@ -1246,7 +1246,7 @@
           <a:p>
             <a:fld id="{1865B6E8-2EA0-4CE9-9015-F455666FCAE7}" type="datetimeFigureOut">
               <a:rPr lang="ko-KR" altLang="en-US" smtClean="0"/>
-              <a:t>2015-11-28</a:t>
+              <a:t>2016-01-10</a:t>
             </a:fld>
             <a:endParaRPr lang="ko-KR" altLang="en-US"/>
           </a:p>
@@ -1613,7 +1613,7 @@
           <a:p>
             <a:fld id="{1865B6E8-2EA0-4CE9-9015-F455666FCAE7}" type="datetimeFigureOut">
               <a:rPr lang="ko-KR" altLang="en-US" smtClean="0"/>
-              <a:t>2015-11-28</a:t>
+              <a:t>2016-01-10</a:t>
             </a:fld>
             <a:endParaRPr lang="ko-KR" altLang="en-US"/>
           </a:p>
@@ -1731,7 +1731,7 @@
           <a:p>
             <a:fld id="{1865B6E8-2EA0-4CE9-9015-F455666FCAE7}" type="datetimeFigureOut">
               <a:rPr lang="ko-KR" altLang="en-US" smtClean="0"/>
-              <a:t>2015-11-28</a:t>
+              <a:t>2016-01-10</a:t>
             </a:fld>
             <a:endParaRPr lang="ko-KR" altLang="en-US"/>
           </a:p>
@@ -1826,7 +1826,7 @@
           <a:p>
             <a:fld id="{1865B6E8-2EA0-4CE9-9015-F455666FCAE7}" type="datetimeFigureOut">
               <a:rPr lang="ko-KR" altLang="en-US" smtClean="0"/>
-              <a:t>2015-11-28</a:t>
+              <a:t>2016-01-10</a:t>
             </a:fld>
             <a:endParaRPr lang="ko-KR" altLang="en-US"/>
           </a:p>
@@ -2103,7 +2103,7 @@
           <a:p>
             <a:fld id="{1865B6E8-2EA0-4CE9-9015-F455666FCAE7}" type="datetimeFigureOut">
               <a:rPr lang="ko-KR" altLang="en-US" smtClean="0"/>
-              <a:t>2015-11-28</a:t>
+              <a:t>2016-01-10</a:t>
             </a:fld>
             <a:endParaRPr lang="ko-KR" altLang="en-US"/>
           </a:p>
@@ -2356,7 +2356,7 @@
           <a:p>
             <a:fld id="{1865B6E8-2EA0-4CE9-9015-F455666FCAE7}" type="datetimeFigureOut">
               <a:rPr lang="ko-KR" altLang="en-US" smtClean="0"/>
-              <a:t>2015-11-28</a:t>
+              <a:t>2016-01-10</a:t>
             </a:fld>
             <a:endParaRPr lang="ko-KR" altLang="en-US"/>
           </a:p>
@@ -2569,7 +2569,7 @@
           <a:p>
             <a:fld id="{1865B6E8-2EA0-4CE9-9015-F455666FCAE7}" type="datetimeFigureOut">
               <a:rPr lang="ko-KR" altLang="en-US" smtClean="0"/>
-              <a:t>2015-11-28</a:t>
+              <a:t>2016-01-10</a:t>
             </a:fld>
             <a:endParaRPr lang="ko-KR" altLang="en-US"/>
           </a:p>
@@ -3743,7 +3743,11 @@
             </a:r>
             <a:r>
               <a:rPr lang="en-US" altLang="ko-KR" dirty="0" smtClean="0"/>
-              <a:t>5% </a:t>
+              <a:t>2.5</a:t>
+            </a:r>
+            <a:r>
+              <a:rPr lang="en-US" altLang="ko-KR" dirty="0" smtClean="0"/>
+              <a:t>% </a:t>
             </a:r>
             <a:r>
               <a:rPr lang="ko-KR" altLang="en-US" dirty="0" err="1" smtClean="0"/>
@@ -4408,8 +4412,8 @@
         </p:nvSpPr>
         <p:spPr>
           <a:xfrm>
-            <a:off x="838200" y="3734353"/>
-            <a:ext cx="10515600" cy="1200329"/>
+            <a:off x="838199" y="3734353"/>
+            <a:ext cx="11564155" cy="2031325"/>
           </a:xfrm>
           <a:prstGeom prst="rect">
             <a:avLst/>
@@ -4477,6 +4481,74 @@
               <a:rPr lang="en-US" altLang="ko-KR" dirty="0" smtClean="0"/>
               <a:t>.</a:t>
             </a:r>
+          </a:p>
+          <a:p>
+            <a:endParaRPr lang="en-US" altLang="ko-KR" dirty="0"/>
+          </a:p>
+          <a:p>
+            <a:r>
+              <a:rPr lang="en-US" altLang="ko-KR" dirty="0" smtClean="0"/>
+              <a:t>※ </a:t>
+            </a:r>
+            <a:r>
+              <a:rPr lang="ko-KR" altLang="en-US" dirty="0" err="1" smtClean="0"/>
+              <a:t>피버타임</a:t>
+            </a:r>
+            <a:r>
+              <a:rPr lang="ko-KR" altLang="en-US" dirty="0" smtClean="0"/>
+              <a:t> 동안은 모든 공격이 모두 </a:t>
+            </a:r>
+            <a:r>
+              <a:rPr lang="ko-KR" altLang="en-US" dirty="0" err="1" smtClean="0"/>
+              <a:t>얼쑤</a:t>
+            </a:r>
+            <a:r>
+              <a:rPr lang="ko-KR" altLang="en-US" dirty="0" smtClean="0"/>
+              <a:t> 처리된다</a:t>
+            </a:r>
+            <a:r>
+              <a:rPr lang="en-US" altLang="ko-KR" dirty="0" smtClean="0"/>
+              <a:t>. </a:t>
+            </a:r>
+            <a:r>
+              <a:rPr lang="ko-KR" altLang="en-US" dirty="0" err="1" smtClean="0"/>
+              <a:t>피버가</a:t>
+            </a:r>
+            <a:r>
+              <a:rPr lang="ko-KR" altLang="en-US" dirty="0" smtClean="0"/>
+              <a:t> 시작되면 </a:t>
+            </a:r>
+            <a:r>
+              <a:rPr lang="en-US" altLang="ko-KR" dirty="0"/>
+              <a:t>4</a:t>
+            </a:r>
+            <a:r>
+              <a:rPr lang="ko-KR" altLang="en-US" dirty="0" smtClean="0"/>
+              <a:t>초 안에 오는 원은 모두 사라진다</a:t>
+            </a:r>
+            <a:endParaRPr lang="en-US" altLang="ko-KR" dirty="0" smtClean="0"/>
+          </a:p>
+          <a:p>
+            <a:r>
+              <a:rPr lang="en-US" altLang="ko-KR" dirty="0" smtClean="0"/>
+              <a:t>-&gt; </a:t>
+            </a:r>
+            <a:r>
+              <a:rPr lang="ko-KR" altLang="en-US" dirty="0" err="1" smtClean="0"/>
+              <a:t>피버가</a:t>
+            </a:r>
+            <a:r>
+              <a:rPr lang="ko-KR" altLang="en-US" dirty="0" smtClean="0"/>
+              <a:t> 끝나고 </a:t>
+            </a:r>
+            <a:r>
+              <a:rPr lang="ko-KR" altLang="en-US" dirty="0" err="1" smtClean="0"/>
+              <a:t>콤보를</a:t>
+            </a:r>
+            <a:r>
+              <a:rPr lang="ko-KR" altLang="en-US" dirty="0" smtClean="0"/>
+              <a:t> 이어나가기 쉽게 한다  </a:t>
+            </a:r>
             <a:endParaRPr lang="en-US" altLang="ko-KR" dirty="0"/>
           </a:p>
           <a:p>
@@ -4495,7 +4567,7 @@
         </p:nvSpPr>
         <p:spPr>
           <a:xfrm>
-            <a:off x="838200" y="4863590"/>
+            <a:off x="838200" y="5447605"/>
             <a:ext cx="11873248" cy="1277273"/>
           </a:xfrm>
           <a:prstGeom prst="rect">
@@ -4595,7 +4667,27 @@
             </a:r>
             <a:r>
               <a:rPr lang="en-US" altLang="ko-KR" sz="1400" dirty="0" smtClean="0"/>
-              <a:t> 10% </a:t>
+              <a:t> </a:t>
+            </a:r>
+            <a:r>
+              <a:rPr lang="en-US" altLang="ko-KR" sz="1400" b="1" dirty="0">
+                <a:solidFill>
+                  <a:srgbClr val="FF0000"/>
+                </a:solidFill>
+              </a:rPr>
+              <a:t>5</a:t>
+            </a:r>
+            <a:r>
+              <a:rPr lang="en-US" altLang="ko-KR" sz="1400" b="1" dirty="0" smtClean="0">
+                <a:solidFill>
+                  <a:srgbClr val="FF0000"/>
+                </a:solidFill>
+              </a:rPr>
+              <a:t>%</a:t>
+            </a:r>
+            <a:r>
+              <a:rPr lang="en-US" altLang="ko-KR" sz="1400" dirty="0" smtClean="0"/>
+              <a:t> </a:t>
             </a:r>
             <a:r>
               <a:rPr lang="ko-KR" altLang="en-US" sz="1400" dirty="0"/>
@@ -4685,8 +4777,16 @@
               <a:t> </a:t>
             </a:r>
             <a:r>
+              <a:rPr lang="en-US" altLang="ko-KR" sz="1400" b="1" dirty="0" smtClean="0">
+                <a:solidFill>
+                  <a:srgbClr val="FF0000"/>
+                </a:solidFill>
+              </a:rPr>
+              <a:t>3.5%</a:t>
+            </a:r>
+            <a:r>
               <a:rPr lang="en-US" altLang="ko-KR" sz="1400" dirty="0" smtClean="0"/>
-              <a:t>7% </a:t>
+              <a:t> </a:t>
             </a:r>
             <a:r>
               <a:rPr lang="ko-KR" altLang="en-US" sz="1400" dirty="0" smtClean="0"/>
@@ -4764,8 +4864,20 @@
               <a:t> </a:t>
             </a:r>
             <a:r>
-              <a:rPr lang="en-US" altLang="ko-KR" sz="1400" dirty="0" smtClean="0"/>
-              <a:t>5% </a:t>
+              <a:rPr lang="en-US" altLang="ko-KR" sz="1400" b="1" dirty="0" smtClean="0">
+                <a:solidFill>
+                  <a:srgbClr val="FF0000"/>
+                </a:solidFill>
+              </a:rPr>
+              <a:t>2.5%</a:t>
+            </a:r>
+            <a:r>
+              <a:rPr lang="en-US" altLang="ko-KR" sz="1400" dirty="0" smtClean="0">
+                <a:solidFill>
+                  <a:srgbClr val="FF0000"/>
+                </a:solidFill>
+              </a:rPr>
+              <a:t> </a:t>
             </a:r>
             <a:r>
               <a:rPr lang="ko-KR" altLang="en-US" sz="1400" dirty="0" smtClean="0"/>
